--- a/slides/graphs-bfs-f21.pptx
+++ b/slides/graphs-bfs-f21.pptx
@@ -7093,8 +7093,8 @@
           </a:p>
         </p:txBody>
       </p:sp>
-      <mc:AlternateContent xmlns:mc="http://schemas.openxmlformats.org/markup-compatibility/2006" xmlns:a14="http://schemas.microsoft.com/office/drawing/2010/main">
-        <mc:Choice Requires="a14">
+      <mc:AlternateContent xmlns:mc="http://schemas.openxmlformats.org/markup-compatibility/2006">
+        <mc:Choice xmlns:a14="http://schemas.microsoft.com/office/drawing/2010/main" Requires="a14">
           <p:sp>
             <p:nvSpPr>
               <p:cNvPr id="40963" name="Rectangle 3"/>
@@ -7155,7 +7155,7 @@
                 </a:pPr>
                 <a:r>
                   <a:rPr lang="en-US" dirty="0"/>
-                  <a:t>Lemma:</a:t>
+                  <a:t>Lemma 1:</a:t>
                 </a:r>
               </a:p>
               <a:p>
@@ -7350,7 +7350,7 @@
             </p:txBody>
           </p:sp>
         </mc:Choice>
-        <mc:Fallback xmlns="">
+        <mc:Fallback>
           <p:sp>
             <p:nvSpPr>
               <p:cNvPr id="40963" name="Rectangle 3"/>
@@ -7360,13 +7360,13 @@
               <p:nvPr>
                 <p:ph sz="quarter" idx="1"/>
                 <p:custDataLst>
-                  <p:tags r:id="rId4"/>
+                  <p:tags r:id="rId2"/>
                 </p:custDataLst>
               </p:nvPr>
             </p:nvSpPr>
             <p:spPr>
               <a:blipFill>
-                <a:blip r:embed="rId5"/>
+                <a:blip r:embed="rId4"/>
                 <a:stretch>
                   <a:fillRect l="-1042" t="-2314" r="-926"/>
                 </a:stretch>
@@ -7498,8 +7498,8 @@
           </a:p>
         </p:txBody>
       </p:sp>
-      <mc:AlternateContent xmlns:mc="http://schemas.openxmlformats.org/markup-compatibility/2006" xmlns:a14="http://schemas.microsoft.com/office/drawing/2010/main">
-        <mc:Choice Requires="a14">
+      <mc:AlternateContent xmlns:mc="http://schemas.openxmlformats.org/markup-compatibility/2006">
+        <mc:Choice xmlns:a14="http://schemas.microsoft.com/office/drawing/2010/main" Requires="a14">
           <p:sp>
             <p:nvSpPr>
               <p:cNvPr id="40963" name="Rectangle 3"/>
@@ -7525,7 +7525,7 @@
                 </a:pPr>
                 <a:r>
                   <a:rPr lang="en-US" dirty="0"/>
-                  <a:t>Another Lemma:</a:t>
+                  <a:t>Lemma 2:</a:t>
                 </a:r>
               </a:p>
               <a:p>
@@ -7711,6 +7711,14 @@
                   </a:lnSpc>
                   <a:buNone/>
                 </a:pPr>
+                <a:r>
+                  <a:rPr lang="en-US" dirty="0"/>
+                  <a:t>					//By how code updates </a:t>
+                </a:r>
+                <a:r>
+                  <a:rPr lang="en-US" dirty="0" err="1"/>
+                  <a:t>v.d</a:t>
+                </a:r>
                 <a:endParaRPr lang="en-US" dirty="0"/>
               </a:p>
               <a:p>
@@ -7722,7 +7730,7 @@
                 </a:pPr>
                 <a:r>
                   <a:rPr lang="en-US" dirty="0"/>
-                  <a:t>					&lt;- Use the update rule in BFS to prove!</a:t>
+                  <a:t>					//By inductive hypothesis</a:t>
                 </a:r>
               </a:p>
               <a:p>
@@ -7732,12 +7740,15 @@
                   </a:lnSpc>
                   <a:buNone/>
                 </a:pPr>
-                <a:endParaRPr lang="en-US" dirty="0"/>
+                <a:r>
+                  <a:rPr lang="en-US" dirty="0"/>
+                  <a:t>					//By Lemma 1 on previous slide</a:t>
+                </a:r>
               </a:p>
             </p:txBody>
           </p:sp>
         </mc:Choice>
-        <mc:Fallback xmlns="">
+        <mc:Fallback>
           <p:sp>
             <p:nvSpPr>
               <p:cNvPr id="40963" name="Rectangle 3"/>
@@ -7747,13 +7758,13 @@
               <p:nvPr>
                 <p:ph sz="quarter" idx="1"/>
                 <p:custDataLst>
-                  <p:tags r:id="rId4"/>
+                  <p:tags r:id="rId2"/>
                 </p:custDataLst>
               </p:nvPr>
             </p:nvSpPr>
             <p:spPr>
               <a:blipFill>
-                <a:blip r:embed="rId5"/>
+                <a:blip r:embed="rId4"/>
                 <a:stretch>
                   <a:fillRect l="-1042" t="-2057" r="-926"/>
                 </a:stretch>
@@ -7821,7 +7832,7 @@
           <p:nvPr/>
         </p:nvPicPr>
         <p:blipFill>
-          <a:blip r:embed="rId6"/>
+          <a:blip r:embed="rId5"/>
           <a:stretch>
             <a:fillRect/>
           </a:stretch>
@@ -7915,8 +7926,8 @@
           </a:p>
         </p:txBody>
       </p:sp>
-      <mc:AlternateContent xmlns:mc="http://schemas.openxmlformats.org/markup-compatibility/2006" xmlns:a14="http://schemas.microsoft.com/office/drawing/2010/main">
-        <mc:Choice Requires="a14">
+      <mc:AlternateContent xmlns:mc="http://schemas.openxmlformats.org/markup-compatibility/2006">
+        <mc:Choice xmlns:a14="http://schemas.microsoft.com/office/drawing/2010/main" Requires="a14">
           <p:sp>
             <p:nvSpPr>
               <p:cNvPr id="40963" name="Rectangle 3"/>
@@ -7932,7 +7943,9 @@
             </p:nvSpPr>
             <p:spPr/>
             <p:txBody>
-              <a:bodyPr/>
+              <a:bodyPr>
+                <a:normAutofit/>
+              </a:bodyPr>
               <a:lstStyle/>
               <a:p>
                 <a:pPr>
@@ -7942,7 +7955,7 @@
                 </a:pPr>
                 <a:r>
                   <a:rPr lang="en-US" dirty="0"/>
-                  <a:t>Last Lemma:</a:t>
+                  <a:t>Lemma 3:</a:t>
                 </a:r>
               </a:p>
               <a:p>
@@ -7998,102 +8011,108 @@
                   </a:lnSpc>
                   <a:buNone/>
                 </a:pPr>
+                <a:r>
+                  <a:rPr lang="en-US" b="0" dirty="0"/>
+                  <a:t>		</a:t>
+                </a:r>
                 <a14:m>
-                  <m:oMathPara xmlns:m="http://schemas.openxmlformats.org/officeDocument/2006/math">
-                    <m:oMathParaPr>
-                      <m:jc m:val="centerGroup"/>
-                    </m:oMathParaPr>
-                    <m:oMath xmlns:m="http://schemas.openxmlformats.org/officeDocument/2006/math">
-                      <m:sSub>
-                        <m:sSubPr>
-                          <m:ctrlPr>
-                            <a:rPr lang="en-US" b="0" i="1" smtClean="0">
-                              <a:latin typeface="Cambria Math" panose="02040503050406030204" pitchFamily="18" charset="0"/>
-                            </a:rPr>
-                          </m:ctrlPr>
-                        </m:sSubPr>
-                        <m:e>
-                          <m:r>
-                            <a:rPr lang="en-US" b="0" i="1" smtClean="0">
-                              <a:latin typeface="Cambria Math" panose="02040503050406030204" pitchFamily="18" charset="0"/>
-                            </a:rPr>
-                            <m:t>𝑣</m:t>
-                          </m:r>
-                        </m:e>
-                        <m:sub>
-                          <m:r>
-                            <a:rPr lang="en-US" b="0" i="1" smtClean="0">
-                              <a:latin typeface="Cambria Math" panose="02040503050406030204" pitchFamily="18" charset="0"/>
-                            </a:rPr>
-                            <m:t>𝑛</m:t>
-                          </m:r>
-                        </m:sub>
-                      </m:sSub>
-                      <m:r>
-                        <a:rPr lang="en-US" b="0" i="1" smtClean="0">
-                          <a:latin typeface="Cambria Math" panose="02040503050406030204" pitchFamily="18" charset="0"/>
-                        </a:rPr>
-                        <m:t>.</m:t>
-                      </m:r>
-                      <m:r>
-                        <a:rPr lang="en-US" b="0" i="1" smtClean="0">
-                          <a:latin typeface="Cambria Math" panose="02040503050406030204" pitchFamily="18" charset="0"/>
-                        </a:rPr>
-                        <m:t>𝑑</m:t>
-                      </m:r>
-                      <m:r>
-                        <a:rPr lang="en-US" b="0" i="1" smtClean="0">
-                          <a:latin typeface="Cambria Math" panose="02040503050406030204" pitchFamily="18" charset="0"/>
-                        </a:rPr>
-                        <m:t>≤</m:t>
-                      </m:r>
-                      <m:sSub>
-                        <m:sSubPr>
-                          <m:ctrlPr>
-                            <a:rPr lang="en-US" b="0" i="1" smtClean="0">
-                              <a:latin typeface="Cambria Math" panose="02040503050406030204" pitchFamily="18" charset="0"/>
-                            </a:rPr>
-                          </m:ctrlPr>
-                        </m:sSubPr>
-                        <m:e>
-                          <m:r>
-                            <a:rPr lang="en-US" b="0" i="1" smtClean="0">
-                              <a:latin typeface="Cambria Math" panose="02040503050406030204" pitchFamily="18" charset="0"/>
-                            </a:rPr>
-                            <m:t>𝑣</m:t>
-                          </m:r>
-                        </m:e>
-                        <m:sub>
-                          <m:r>
-                            <a:rPr lang="en-US" b="0" i="1" smtClean="0">
-                              <a:latin typeface="Cambria Math" panose="02040503050406030204" pitchFamily="18" charset="0"/>
-                            </a:rPr>
-                            <m:t>1</m:t>
-                          </m:r>
-                        </m:sub>
-                      </m:sSub>
-                      <m:r>
-                        <a:rPr lang="en-US" b="0" i="1" smtClean="0">
-                          <a:latin typeface="Cambria Math" panose="02040503050406030204" pitchFamily="18" charset="0"/>
-                        </a:rPr>
-                        <m:t>.</m:t>
-                      </m:r>
-                      <m:r>
-                        <a:rPr lang="en-US" b="0" i="1" smtClean="0">
-                          <a:latin typeface="Cambria Math" panose="02040503050406030204" pitchFamily="18" charset="0"/>
-                        </a:rPr>
-                        <m:t>𝑑</m:t>
-                      </m:r>
-                      <m:r>
-                        <a:rPr lang="en-US" b="0" i="1" smtClean="0">
-                          <a:latin typeface="Cambria Math" panose="02040503050406030204" pitchFamily="18" charset="0"/>
-                        </a:rPr>
-                        <m:t>+1</m:t>
-                      </m:r>
-                    </m:oMath>
-                  </m:oMathPara>
+                  <m:oMath xmlns:m="http://schemas.openxmlformats.org/officeDocument/2006/math">
+                    <m:sSub>
+                      <m:sSubPr>
+                        <m:ctrlPr>
+                          <a:rPr lang="en-US" b="0" i="1" smtClean="0">
+                            <a:latin typeface="Cambria Math" panose="02040503050406030204" pitchFamily="18" charset="0"/>
+                          </a:rPr>
+                        </m:ctrlPr>
+                      </m:sSubPr>
+                      <m:e>
+                        <m:r>
+                          <a:rPr lang="en-US" b="0" i="1" smtClean="0">
+                            <a:latin typeface="Cambria Math" panose="02040503050406030204" pitchFamily="18" charset="0"/>
+                          </a:rPr>
+                          <m:t>𝑣</m:t>
+                        </m:r>
+                      </m:e>
+                      <m:sub>
+                        <m:r>
+                          <a:rPr lang="en-US" b="0" i="1" smtClean="0">
+                            <a:latin typeface="Cambria Math" panose="02040503050406030204" pitchFamily="18" charset="0"/>
+                          </a:rPr>
+                          <m:t>𝑛</m:t>
+                        </m:r>
+                      </m:sub>
+                    </m:sSub>
+                    <m:r>
+                      <a:rPr lang="en-US" b="0" i="1" smtClean="0">
+                        <a:latin typeface="Cambria Math" panose="02040503050406030204" pitchFamily="18" charset="0"/>
+                      </a:rPr>
+                      <m:t>.</m:t>
+                    </m:r>
+                    <m:r>
+                      <a:rPr lang="en-US" b="0" i="1" smtClean="0">
+                        <a:latin typeface="Cambria Math" panose="02040503050406030204" pitchFamily="18" charset="0"/>
+                      </a:rPr>
+                      <m:t>𝑑</m:t>
+                    </m:r>
+                    <m:r>
+                      <a:rPr lang="en-US" b="0" i="1" smtClean="0">
+                        <a:latin typeface="Cambria Math" panose="02040503050406030204" pitchFamily="18" charset="0"/>
+                      </a:rPr>
+                      <m:t>≤</m:t>
+                    </m:r>
+                    <m:sSub>
+                      <m:sSubPr>
+                        <m:ctrlPr>
+                          <a:rPr lang="en-US" b="0" i="1" smtClean="0">
+                            <a:latin typeface="Cambria Math" panose="02040503050406030204" pitchFamily="18" charset="0"/>
+                          </a:rPr>
+                        </m:ctrlPr>
+                      </m:sSubPr>
+                      <m:e>
+                        <m:r>
+                          <a:rPr lang="en-US" b="0" i="1" smtClean="0">
+                            <a:latin typeface="Cambria Math" panose="02040503050406030204" pitchFamily="18" charset="0"/>
+                          </a:rPr>
+                          <m:t>𝑣</m:t>
+                        </m:r>
+                      </m:e>
+                      <m:sub>
+                        <m:r>
+                          <a:rPr lang="en-US" b="0" i="1" smtClean="0">
+                            <a:latin typeface="Cambria Math" panose="02040503050406030204" pitchFamily="18" charset="0"/>
+                          </a:rPr>
+                          <m:t>1</m:t>
+                        </m:r>
+                      </m:sub>
+                    </m:sSub>
+                    <m:r>
+                      <a:rPr lang="en-US" b="0" i="1" smtClean="0">
+                        <a:latin typeface="Cambria Math" panose="02040503050406030204" pitchFamily="18" charset="0"/>
+                      </a:rPr>
+                      <m:t>.</m:t>
+                    </m:r>
+                    <m:r>
+                      <a:rPr lang="en-US" b="0" i="1" smtClean="0">
+                        <a:latin typeface="Cambria Math" panose="02040503050406030204" pitchFamily="18" charset="0"/>
+                      </a:rPr>
+                      <m:t>𝑑</m:t>
+                    </m:r>
+                    <m:r>
+                      <a:rPr lang="en-US" b="0" i="1" smtClean="0">
+                        <a:latin typeface="Cambria Math" panose="02040503050406030204" pitchFamily="18" charset="0"/>
+                      </a:rPr>
+                      <m:t>+1</m:t>
+                    </m:r>
+                  </m:oMath>
                 </a14:m>
-                <a:endParaRPr lang="en-US" b="0" dirty="0"/>
+                <a:r>
+                  <a:rPr lang="en-US" b="0" dirty="0"/>
+                  <a:t>		</a:t>
+                </a:r>
+                <a:r>
+                  <a:rPr lang="en-US" b="0" i="1" dirty="0"/>
+                  <a:t>//all nodes on Q differ by at most 1</a:t>
+                </a:r>
               </a:p>
               <a:p>
                 <a:pPr marL="0" indent="0">
@@ -8102,102 +8121,108 @@
                   </a:lnSpc>
                   <a:buNone/>
                 </a:pPr>
+                <a:r>
+                  <a:rPr lang="en-US" b="0" dirty="0"/>
+                  <a:t>		</a:t>
+                </a:r>
                 <a14:m>
-                  <m:oMathPara xmlns:m="http://schemas.openxmlformats.org/officeDocument/2006/math">
-                    <m:oMathParaPr>
-                      <m:jc m:val="centerGroup"/>
-                    </m:oMathParaPr>
-                    <m:oMath xmlns:m="http://schemas.openxmlformats.org/officeDocument/2006/math">
-                      <m:sSub>
-                        <m:sSubPr>
-                          <m:ctrlPr>
-                            <a:rPr lang="en-US" b="0" i="1" smtClean="0">
-                              <a:latin typeface="Cambria Math" panose="02040503050406030204" pitchFamily="18" charset="0"/>
-                            </a:rPr>
-                          </m:ctrlPr>
-                        </m:sSubPr>
-                        <m:e>
-                          <m:r>
-                            <a:rPr lang="en-US" b="0" i="1" smtClean="0">
-                              <a:latin typeface="Cambria Math" panose="02040503050406030204" pitchFamily="18" charset="0"/>
-                            </a:rPr>
-                            <m:t>𝑣</m:t>
-                          </m:r>
-                        </m:e>
-                        <m:sub>
-                          <m:r>
-                            <a:rPr lang="en-US" b="0" i="1" smtClean="0">
-                              <a:latin typeface="Cambria Math" panose="02040503050406030204" pitchFamily="18" charset="0"/>
-                            </a:rPr>
-                            <m:t>𝑖</m:t>
-                          </m:r>
-                        </m:sub>
-                      </m:sSub>
-                      <m:r>
-                        <a:rPr lang="en-US" b="0" i="1" smtClean="0">
-                          <a:latin typeface="Cambria Math" panose="02040503050406030204" pitchFamily="18" charset="0"/>
-                        </a:rPr>
-                        <m:t>.</m:t>
-                      </m:r>
-                      <m:r>
-                        <a:rPr lang="en-US" b="0" i="1" smtClean="0">
-                          <a:latin typeface="Cambria Math" panose="02040503050406030204" pitchFamily="18" charset="0"/>
-                        </a:rPr>
-                        <m:t>𝑑</m:t>
-                      </m:r>
-                      <m:r>
-                        <a:rPr lang="en-US" b="0" i="1" smtClean="0">
-                          <a:latin typeface="Cambria Math" panose="02040503050406030204" pitchFamily="18" charset="0"/>
-                        </a:rPr>
-                        <m:t>≤</m:t>
-                      </m:r>
-                      <m:sSub>
-                        <m:sSubPr>
-                          <m:ctrlPr>
-                            <a:rPr lang="en-US" b="0" i="1" smtClean="0">
-                              <a:latin typeface="Cambria Math" panose="02040503050406030204" pitchFamily="18" charset="0"/>
-                            </a:rPr>
-                          </m:ctrlPr>
-                        </m:sSubPr>
-                        <m:e>
-                          <m:r>
-                            <a:rPr lang="en-US" b="0" i="1" smtClean="0">
-                              <a:latin typeface="Cambria Math" panose="02040503050406030204" pitchFamily="18" charset="0"/>
-                            </a:rPr>
-                            <m:t>𝑣</m:t>
-                          </m:r>
-                        </m:e>
-                        <m:sub>
-                          <m:r>
-                            <a:rPr lang="en-US" b="0" i="1" smtClean="0">
-                              <a:latin typeface="Cambria Math" panose="02040503050406030204" pitchFamily="18" charset="0"/>
-                            </a:rPr>
-                            <m:t>𝑖</m:t>
-                          </m:r>
-                          <m:r>
-                            <a:rPr lang="en-US" b="0" i="1" smtClean="0">
-                              <a:latin typeface="Cambria Math" panose="02040503050406030204" pitchFamily="18" charset="0"/>
-                            </a:rPr>
-                            <m:t>+1</m:t>
-                          </m:r>
-                        </m:sub>
-                      </m:sSub>
-                      <m:r>
-                        <a:rPr lang="en-US" b="0" i="1" smtClean="0">
-                          <a:latin typeface="Cambria Math" panose="02040503050406030204" pitchFamily="18" charset="0"/>
-                        </a:rPr>
-                        <m:t>.</m:t>
-                      </m:r>
-                      <m:r>
-                        <a:rPr lang="en-US" b="0" i="1" smtClean="0">
-                          <a:latin typeface="Cambria Math" panose="02040503050406030204" pitchFamily="18" charset="0"/>
-                        </a:rPr>
-                        <m:t>𝑑</m:t>
-                      </m:r>
-                    </m:oMath>
-                  </m:oMathPara>
+                  <m:oMath xmlns:m="http://schemas.openxmlformats.org/officeDocument/2006/math">
+                    <m:sSub>
+                      <m:sSubPr>
+                        <m:ctrlPr>
+                          <a:rPr lang="en-US" b="0" i="1" smtClean="0">
+                            <a:latin typeface="Cambria Math" panose="02040503050406030204" pitchFamily="18" charset="0"/>
+                          </a:rPr>
+                        </m:ctrlPr>
+                      </m:sSubPr>
+                      <m:e>
+                        <m:r>
+                          <a:rPr lang="en-US" b="0" i="1" smtClean="0">
+                            <a:latin typeface="Cambria Math" panose="02040503050406030204" pitchFamily="18" charset="0"/>
+                          </a:rPr>
+                          <m:t>𝑣</m:t>
+                        </m:r>
+                      </m:e>
+                      <m:sub>
+                        <m:r>
+                          <a:rPr lang="en-US" b="0" i="1" smtClean="0">
+                            <a:latin typeface="Cambria Math" panose="02040503050406030204" pitchFamily="18" charset="0"/>
+                          </a:rPr>
+                          <m:t>𝑖</m:t>
+                        </m:r>
+                      </m:sub>
+                    </m:sSub>
+                    <m:r>
+                      <a:rPr lang="en-US" b="0" i="1" smtClean="0">
+                        <a:latin typeface="Cambria Math" panose="02040503050406030204" pitchFamily="18" charset="0"/>
+                      </a:rPr>
+                      <m:t>.</m:t>
+                    </m:r>
+                    <m:r>
+                      <a:rPr lang="en-US" b="0" i="1" smtClean="0">
+                        <a:latin typeface="Cambria Math" panose="02040503050406030204" pitchFamily="18" charset="0"/>
+                      </a:rPr>
+                      <m:t>𝑑</m:t>
+                    </m:r>
+                    <m:r>
+                      <a:rPr lang="en-US" b="0" i="1" smtClean="0">
+                        <a:latin typeface="Cambria Math" panose="02040503050406030204" pitchFamily="18" charset="0"/>
+                      </a:rPr>
+                      <m:t>≤</m:t>
+                    </m:r>
+                    <m:sSub>
+                      <m:sSubPr>
+                        <m:ctrlPr>
+                          <a:rPr lang="en-US" b="0" i="1" smtClean="0">
+                            <a:latin typeface="Cambria Math" panose="02040503050406030204" pitchFamily="18" charset="0"/>
+                          </a:rPr>
+                        </m:ctrlPr>
+                      </m:sSubPr>
+                      <m:e>
+                        <m:r>
+                          <a:rPr lang="en-US" b="0" i="1" smtClean="0">
+                            <a:latin typeface="Cambria Math" panose="02040503050406030204" pitchFamily="18" charset="0"/>
+                          </a:rPr>
+                          <m:t>𝑣</m:t>
+                        </m:r>
+                      </m:e>
+                      <m:sub>
+                        <m:r>
+                          <a:rPr lang="en-US" b="0" i="1" smtClean="0">
+                            <a:latin typeface="Cambria Math" panose="02040503050406030204" pitchFamily="18" charset="0"/>
+                          </a:rPr>
+                          <m:t>𝑖</m:t>
+                        </m:r>
+                        <m:r>
+                          <a:rPr lang="en-US" b="0" i="1" smtClean="0">
+                            <a:latin typeface="Cambria Math" panose="02040503050406030204" pitchFamily="18" charset="0"/>
+                          </a:rPr>
+                          <m:t>+1</m:t>
+                        </m:r>
+                      </m:sub>
+                    </m:sSub>
+                    <m:r>
+                      <a:rPr lang="en-US" b="0" i="1" smtClean="0">
+                        <a:latin typeface="Cambria Math" panose="02040503050406030204" pitchFamily="18" charset="0"/>
+                      </a:rPr>
+                      <m:t>.</m:t>
+                    </m:r>
+                    <m:r>
+                      <a:rPr lang="en-US" b="0" i="1" smtClean="0">
+                        <a:latin typeface="Cambria Math" panose="02040503050406030204" pitchFamily="18" charset="0"/>
+                      </a:rPr>
+                      <m:t>𝑑</m:t>
+                    </m:r>
+                  </m:oMath>
                 </a14:m>
-                <a:endParaRPr lang="en-US" dirty="0"/>
+                <a:r>
+                  <a:rPr lang="en-US" dirty="0"/>
+                  <a:t>		</a:t>
+                </a:r>
+                <a:r>
+                  <a:rPr lang="en-US" i="1" dirty="0"/>
+                  <a:t>//nodes on Q are non-decreasing distances</a:t>
+                </a:r>
               </a:p>
               <a:p>
                 <a:pPr marL="0" indent="0">
@@ -8252,7 +8277,7 @@
             </p:txBody>
           </p:sp>
         </mc:Choice>
-        <mc:Fallback xmlns="">
+        <mc:Fallback>
           <p:sp>
             <p:nvSpPr>
               <p:cNvPr id="40963" name="Rectangle 3"/>
@@ -8262,13 +8287,13 @@
               <p:nvPr>
                 <p:ph sz="quarter" idx="1"/>
                 <p:custDataLst>
-                  <p:tags r:id="rId4"/>
+                  <p:tags r:id="rId2"/>
                 </p:custDataLst>
               </p:nvPr>
             </p:nvSpPr>
             <p:spPr>
               <a:blipFill>
-                <a:blip r:embed="rId5"/>
+                <a:blip r:embed="rId4"/>
                 <a:stretch>
                   <a:fillRect l="-1042" t="-2057" r="-926"/>
                 </a:stretch>
@@ -9504,7 +9529,7 @@
           <a:p>
             <a:r>
               <a:rPr lang="en-US" dirty="0"/>
-              <a:t>Because of Lemma 1!</a:t>
+              <a:t>Because of Lemma 2!</a:t>
             </a:r>
           </a:p>
         </p:txBody>
@@ -10865,8 +10890,8 @@
           </a:p>
         </p:txBody>
       </p:sp>
-      <mc:AlternateContent xmlns:mc="http://schemas.openxmlformats.org/markup-compatibility/2006" xmlns:a14="http://schemas.microsoft.com/office/drawing/2010/main">
-        <mc:Choice Requires="a14">
+      <mc:AlternateContent xmlns:mc="http://schemas.openxmlformats.org/markup-compatibility/2006">
+        <mc:Choice xmlns:a14="http://schemas.microsoft.com/office/drawing/2010/main" Requires="a14">
           <p:sp>
             <p:nvSpPr>
               <p:cNvPr id="40963" name="Rectangle 3"/>
@@ -11173,7 +11198,7 @@
                 </a:pPr>
                 <a:r>
                   <a:rPr lang="en-US" dirty="0"/>
-                  <a:t>Order on queue: w, then u, then v, Lemma 2 gives </a:t>
+                  <a:t>Order on queue: w, then u, then v, Lemma 3 gives </a:t>
                 </a:r>
                 <a14:m>
                   <m:oMath xmlns:m="http://schemas.openxmlformats.org/officeDocument/2006/math">
@@ -11354,7 +11379,7 @@
             </p:txBody>
           </p:sp>
         </mc:Choice>
-        <mc:Fallback xmlns="">
+        <mc:Fallback>
           <p:sp>
             <p:nvSpPr>
               <p:cNvPr id="40963" name="Rectangle 3"/>
@@ -11364,7 +11389,7 @@
               <p:nvPr>
                 <p:ph sz="quarter" idx="1"/>
                 <p:custDataLst>
-                  <p:tags r:id="rId4"/>
+                  <p:tags r:id="rId2"/>
                 </p:custDataLst>
               </p:nvPr>
             </p:nvSpPr>
@@ -11374,7 +11399,7 @@
                 <a:ext cx="11277600" cy="4937760"/>
               </a:xfrm>
               <a:blipFill>
-                <a:blip r:embed="rId5"/>
+                <a:blip r:embed="rId4"/>
                 <a:stretch>
                   <a:fillRect l="-900"/>
                 </a:stretch>
@@ -11506,8 +11531,8 @@
           </a:p>
         </p:txBody>
       </p:sp>
-      <mc:AlternateContent xmlns:mc="http://schemas.openxmlformats.org/markup-compatibility/2006" xmlns:a14="http://schemas.microsoft.com/office/drawing/2010/main">
-        <mc:Choice Requires="a14">
+      <mc:AlternateContent xmlns:mc="http://schemas.openxmlformats.org/markup-compatibility/2006">
+        <mc:Choice xmlns:a14="http://schemas.microsoft.com/office/drawing/2010/main" Requires="a14">
           <p:sp>
             <p:nvSpPr>
               <p:cNvPr id="40963" name="Rectangle 3"/>
@@ -11799,7 +11824,7 @@
                 </a14:m>
                 <a:r>
                   <a:rPr lang="en-US" dirty="0"/>
-                  <a:t> (Lemma 2)</a:t>
+                  <a:t> (Lemma 3)</a:t>
                 </a:r>
               </a:p>
               <a:p>
@@ -11906,7 +11931,7 @@
             </p:txBody>
           </p:sp>
         </mc:Choice>
-        <mc:Fallback xmlns="">
+        <mc:Fallback>
           <p:sp>
             <p:nvSpPr>
               <p:cNvPr id="40963" name="Rectangle 3"/>
@@ -11916,7 +11941,7 @@
               <p:nvPr>
                 <p:ph sz="quarter" idx="1"/>
                 <p:custDataLst>
-                  <p:tags r:id="rId4"/>
+                  <p:tags r:id="rId2"/>
                 </p:custDataLst>
               </p:nvPr>
             </p:nvSpPr>
@@ -11926,7 +11951,7 @@
                 <a:ext cx="11277600" cy="4937760"/>
               </a:xfrm>
               <a:blipFill>
-                <a:blip r:embed="rId5"/>
+                <a:blip r:embed="rId4"/>
                 <a:stretch>
                   <a:fillRect l="-900"/>
                 </a:stretch>
@@ -12058,8 +12083,8 @@
           </a:p>
         </p:txBody>
       </p:sp>
-      <mc:AlternateContent xmlns:mc="http://schemas.openxmlformats.org/markup-compatibility/2006" xmlns:a14="http://schemas.microsoft.com/office/drawing/2010/main">
-        <mc:Choice Requires="a14">
+      <mc:AlternateContent xmlns:mc="http://schemas.openxmlformats.org/markup-compatibility/2006">
+        <mc:Choice xmlns:a14="http://schemas.microsoft.com/office/drawing/2010/main" Requires="a14">
           <p:sp>
             <p:nvSpPr>
               <p:cNvPr id="40963" name="Rectangle 3"/>
@@ -12212,7 +12237,7 @@
                 </a:pPr>
                 <a:r>
                   <a:rPr lang="en-US" dirty="0"/>
-                  <a:t>No! By Lemma 1</a:t>
+                  <a:t>No! By Lemma 2</a:t>
                 </a:r>
               </a:p>
               <a:p>
@@ -12311,7 +12336,7 @@
                 </a:pPr>
                 <a:r>
                   <a:rPr lang="en-US" dirty="0"/>
-                  <a:t>No! By proof by contradiction</a:t>
+                  <a:t>No! By proof by contradiction / 3 cases</a:t>
                 </a:r>
               </a:p>
               <a:p>
@@ -12403,7 +12428,7 @@
             </p:txBody>
           </p:sp>
         </mc:Choice>
-        <mc:Fallback xmlns="">
+        <mc:Fallback>
           <p:sp>
             <p:nvSpPr>
               <p:cNvPr id="40963" name="Rectangle 3"/>
@@ -12413,7 +12438,7 @@
               <p:nvPr>
                 <p:ph sz="quarter" idx="1"/>
                 <p:custDataLst>
-                  <p:tags r:id="rId4"/>
+                  <p:tags r:id="rId2"/>
                 </p:custDataLst>
               </p:nvPr>
             </p:nvSpPr>
@@ -12423,7 +12448,7 @@
                 <a:ext cx="11277600" cy="4937760"/>
               </a:xfrm>
               <a:blipFill>
-                <a:blip r:embed="rId5"/>
+                <a:blip r:embed="rId4"/>
                 <a:stretch>
                   <a:fillRect l="-900" t="-1795"/>
                 </a:stretch>
@@ -13937,12 +13962,6 @@
 </p:tagLst>
 </file>
 
-<file path=ppt/tags/tag210.xml><?xml version="1.0" encoding="utf-8"?>
-<p:tagLst xmlns:a="http://schemas.openxmlformats.org/drawingml/2006/main" xmlns:r="http://schemas.openxmlformats.org/officeDocument/2006/relationships" xmlns:p="http://schemas.openxmlformats.org/presentationml/2006/main">
-  <p:tag name="_INSTRUCTOR VIEW19C14C36-AC8E-43BC-9DB6-C2AAF774C7DC|PANE__TAG" val="_"/>
-</p:tagLst>
-</file>
-
 <file path=ppt/tags/tag22.xml><?xml version="1.0" encoding="utf-8"?>
 <p:tagLst xmlns:a="http://schemas.openxmlformats.org/drawingml/2006/main" xmlns:r="http://schemas.openxmlformats.org/officeDocument/2006/relationships" xmlns:p="http://schemas.openxmlformats.org/presentationml/2006/main">
   <p:tag name="_INSTRUCTOR VIEW19C14C36-AC8E-43BC-9DB6-C2AAF774C7DC|PANE__TAG" val="_"/>
@@ -13955,12 +13974,6 @@
 </p:tagLst>
 </file>
 
-<file path=ppt/tags/tag230.xml><?xml version="1.0" encoding="utf-8"?>
-<p:tagLst xmlns:a="http://schemas.openxmlformats.org/drawingml/2006/main" xmlns:r="http://schemas.openxmlformats.org/officeDocument/2006/relationships" xmlns:p="http://schemas.openxmlformats.org/presentationml/2006/main">
-  <p:tag name="_INSTRUCTOR VIEW19C14C36-AC8E-43BC-9DB6-C2AAF774C7DC|PANE__TAG" val="_"/>
-</p:tagLst>
-</file>
-
 <file path=ppt/tags/tag24.xml><?xml version="1.0" encoding="utf-8"?>
 <p:tagLst xmlns:a="http://schemas.openxmlformats.org/drawingml/2006/main" xmlns:r="http://schemas.openxmlformats.org/officeDocument/2006/relationships" xmlns:p="http://schemas.openxmlformats.org/presentationml/2006/main">
   <p:tag name="_INSTRUCTOR VIEW19C14C36-AC8E-43BC-9DB6-C2AAF774C7DC|PANE__TAG" val="_"/>
@@ -13968,12 +13981,6 @@
 </file>
 
 <file path=ppt/tags/tag25.xml><?xml version="1.0" encoding="utf-8"?>
-<p:tagLst xmlns:a="http://schemas.openxmlformats.org/drawingml/2006/main" xmlns:r="http://schemas.openxmlformats.org/officeDocument/2006/relationships" xmlns:p="http://schemas.openxmlformats.org/presentationml/2006/main">
-  <p:tag name="_INSTRUCTOR VIEW19C14C36-AC8E-43BC-9DB6-C2AAF774C7DC|PANE__TAG" val="_"/>
-</p:tagLst>
-</file>
-
-<file path=ppt/tags/tag250.xml><?xml version="1.0" encoding="utf-8"?>
 <p:tagLst xmlns:a="http://schemas.openxmlformats.org/drawingml/2006/main" xmlns:r="http://schemas.openxmlformats.org/officeDocument/2006/relationships" xmlns:p="http://schemas.openxmlformats.org/presentationml/2006/main">
   <p:tag name="_INSTRUCTOR VIEW19C14C36-AC8E-43BC-9DB6-C2AAF774C7DC|PANE__TAG" val="_"/>
 </p:tagLst>

--- a/slides/graphs-bfs-f21.pptx
+++ b/slides/graphs-bfs-f21.pptx
@@ -7093,8 +7093,8 @@
           </a:p>
         </p:txBody>
       </p:sp>
-      <mc:AlternateContent xmlns:mc="http://schemas.openxmlformats.org/markup-compatibility/2006">
-        <mc:Choice xmlns:a14="http://schemas.microsoft.com/office/drawing/2010/main" Requires="a14">
+      <mc:AlternateContent xmlns:mc="http://schemas.openxmlformats.org/markup-compatibility/2006" xmlns:a14="http://schemas.microsoft.com/office/drawing/2010/main">
+        <mc:Choice Requires="a14">
           <p:sp>
             <p:nvSpPr>
               <p:cNvPr id="40963" name="Rectangle 3"/>
@@ -7350,7 +7350,7 @@
             </p:txBody>
           </p:sp>
         </mc:Choice>
-        <mc:Fallback>
+        <mc:Fallback xmlns="">
           <p:sp>
             <p:nvSpPr>
               <p:cNvPr id="40963" name="Rectangle 3"/>
@@ -7360,13 +7360,13 @@
               <p:nvPr>
                 <p:ph sz="quarter" idx="1"/>
                 <p:custDataLst>
-                  <p:tags r:id="rId2"/>
+                  <p:tags r:id="rId4"/>
                 </p:custDataLst>
               </p:nvPr>
             </p:nvSpPr>
             <p:spPr>
               <a:blipFill>
-                <a:blip r:embed="rId4"/>
+                <a:blip r:embed="rId5"/>
                 <a:stretch>
                   <a:fillRect l="-1042" t="-2314" r="-926"/>
                 </a:stretch>
@@ -7498,8 +7498,8 @@
           </a:p>
         </p:txBody>
       </p:sp>
-      <mc:AlternateContent xmlns:mc="http://schemas.openxmlformats.org/markup-compatibility/2006">
-        <mc:Choice xmlns:a14="http://schemas.microsoft.com/office/drawing/2010/main" Requires="a14">
+      <mc:AlternateContent xmlns:mc="http://schemas.openxmlformats.org/markup-compatibility/2006" xmlns:a14="http://schemas.microsoft.com/office/drawing/2010/main">
+        <mc:Choice Requires="a14">
           <p:sp>
             <p:nvSpPr>
               <p:cNvPr id="40963" name="Rectangle 3"/>
@@ -7748,7 +7748,7 @@
             </p:txBody>
           </p:sp>
         </mc:Choice>
-        <mc:Fallback>
+        <mc:Fallback xmlns="">
           <p:sp>
             <p:nvSpPr>
               <p:cNvPr id="40963" name="Rectangle 3"/>
@@ -7758,13 +7758,13 @@
               <p:nvPr>
                 <p:ph sz="quarter" idx="1"/>
                 <p:custDataLst>
-                  <p:tags r:id="rId2"/>
+                  <p:tags r:id="rId4"/>
                 </p:custDataLst>
               </p:nvPr>
             </p:nvSpPr>
             <p:spPr>
               <a:blipFill>
-                <a:blip r:embed="rId4"/>
+                <a:blip r:embed="rId5"/>
                 <a:stretch>
                   <a:fillRect l="-1042" t="-2057" r="-926"/>
                 </a:stretch>
@@ -7832,7 +7832,7 @@
           <p:nvPr/>
         </p:nvPicPr>
         <p:blipFill>
-          <a:blip r:embed="rId5"/>
+          <a:blip r:embed="rId6"/>
           <a:stretch>
             <a:fillRect/>
           </a:stretch>
@@ -7976,19 +7976,60 @@
                 </a:pPr>
                 <a:r>
                   <a:rPr lang="en-US" dirty="0"/>
-                  <a:t>Suppose during BFS execution, the Queue contains vertices {v1,v2,….</a:t>
+                  <a:t>Suppose during BFS execution, the Queue contains vertices {v</a:t>
+                </a:r>
+                <a:r>
+                  <a:rPr lang="en-US" baseline="-25000" dirty="0">
+                    <a:latin typeface="Calibri" panose="020F0502020204030204" pitchFamily="34" charset="0"/>
+                    <a:cs typeface="Calibri" panose="020F0502020204030204" pitchFamily="34" charset="0"/>
+                  </a:rPr>
+                  <a:t>1</a:t>
+                </a:r>
+                <a:r>
+                  <a:rPr lang="en-US" dirty="0"/>
+                  <a:t>,v</a:t>
+                </a:r>
+                <a:r>
+                  <a:rPr lang="en-US" baseline="-25000" dirty="0">
+                    <a:latin typeface="Calibri" panose="020F0502020204030204" pitchFamily="34" charset="0"/>
+                    <a:cs typeface="Calibri" panose="020F0502020204030204" pitchFamily="34" charset="0"/>
+                  </a:rPr>
+                  <a:t>2</a:t>
+                </a:r>
+                <a:r>
+                  <a:rPr lang="en-US" dirty="0"/>
+                  <a:t>,….</a:t>
                 </a:r>
                 <a:r>
                   <a:rPr lang="en-US" dirty="0" err="1"/>
-                  <a:t>vn</a:t>
+                  <a:t>v</a:t>
+                </a:r>
+                <a:r>
+                  <a:rPr lang="en-US" baseline="-25000" dirty="0" err="1"/>
+                  <a:t>n</a:t>
                 </a:r>
                 <a:r>
                   <a:rPr lang="en-US" dirty="0"/>
-                  <a:t>} where v1 is at head of queue and </a:t>
+                  <a:t>} where v</a:t>
+                </a:r>
+                <a:r>
+                  <a:rPr lang="en-US" baseline="-25000" dirty="0">
+                    <a:latin typeface="Calibri" panose="020F0502020204030204" pitchFamily="34" charset="0"/>
+                    <a:cs typeface="Calibri" panose="020F0502020204030204" pitchFamily="34" charset="0"/>
+                  </a:rPr>
+                  <a:t>1</a:t>
+                </a:r>
+                <a:r>
+                  <a:rPr lang="en-US" dirty="0"/>
+                  <a:t> is at head of queue and </a:t>
                 </a:r>
                 <a:r>
                   <a:rPr lang="en-US" dirty="0" err="1"/>
-                  <a:t>vn</a:t>
+                  <a:t>v</a:t>
+                </a:r>
+                <a:r>
+                  <a:rPr lang="en-US" baseline="-25000" dirty="0" err="1"/>
+                  <a:t>n</a:t>
                 </a:r>
                 <a:r>
                   <a:rPr lang="en-US" dirty="0"/>
@@ -8111,7 +8152,14 @@
                 </a:r>
                 <a:r>
                   <a:rPr lang="en-US" b="0" i="1" dirty="0"/>
-                  <a:t>//all nodes on Q differ by at most 1</a:t>
+                  <a:t>//all nodes on Q differ by at most </a:t>
+                </a:r>
+                <a:r>
+                  <a:rPr lang="en-US" b="0" i="1" dirty="0">
+                    <a:latin typeface="Calibri" panose="020F0502020204030204" pitchFamily="34" charset="0"/>
+                    <a:cs typeface="Calibri" panose="020F0502020204030204" pitchFamily="34" charset="0"/>
+                  </a:rPr>
+                  <a:t>1</a:t>
                 </a:r>
               </a:p>
               <a:p>
@@ -8295,7 +8343,7 @@
               <a:blipFill>
                 <a:blip r:embed="rId4"/>
                 <a:stretch>
-                  <a:fillRect l="-1042" t="-2057" r="-926"/>
+                  <a:fillRect l="-1040" t="-2057" r="-925"/>
                 </a:stretch>
               </a:blipFill>
             </p:spPr>
@@ -10890,8 +10938,8 @@
           </a:p>
         </p:txBody>
       </p:sp>
-      <mc:AlternateContent xmlns:mc="http://schemas.openxmlformats.org/markup-compatibility/2006">
-        <mc:Choice xmlns:a14="http://schemas.microsoft.com/office/drawing/2010/main" Requires="a14">
+      <mc:AlternateContent xmlns:mc="http://schemas.openxmlformats.org/markup-compatibility/2006" xmlns:a14="http://schemas.microsoft.com/office/drawing/2010/main">
+        <mc:Choice Requires="a14">
           <p:sp>
             <p:nvSpPr>
               <p:cNvPr id="40963" name="Rectangle 3"/>
@@ -11379,7 +11427,7 @@
             </p:txBody>
           </p:sp>
         </mc:Choice>
-        <mc:Fallback>
+        <mc:Fallback xmlns="">
           <p:sp>
             <p:nvSpPr>
               <p:cNvPr id="40963" name="Rectangle 3"/>
@@ -11389,7 +11437,7 @@
               <p:nvPr>
                 <p:ph sz="quarter" idx="1"/>
                 <p:custDataLst>
-                  <p:tags r:id="rId2"/>
+                  <p:tags r:id="rId4"/>
                 </p:custDataLst>
               </p:nvPr>
             </p:nvSpPr>
@@ -11399,7 +11447,7 @@
                 <a:ext cx="11277600" cy="4937760"/>
               </a:xfrm>
               <a:blipFill>
-                <a:blip r:embed="rId4"/>
+                <a:blip r:embed="rId5"/>
                 <a:stretch>
                   <a:fillRect l="-900"/>
                 </a:stretch>
@@ -11531,8 +11579,8 @@
           </a:p>
         </p:txBody>
       </p:sp>
-      <mc:AlternateContent xmlns:mc="http://schemas.openxmlformats.org/markup-compatibility/2006">
-        <mc:Choice xmlns:a14="http://schemas.microsoft.com/office/drawing/2010/main" Requires="a14">
+      <mc:AlternateContent xmlns:mc="http://schemas.openxmlformats.org/markup-compatibility/2006" xmlns:a14="http://schemas.microsoft.com/office/drawing/2010/main">
+        <mc:Choice Requires="a14">
           <p:sp>
             <p:nvSpPr>
               <p:cNvPr id="40963" name="Rectangle 3"/>
@@ -11931,7 +11979,7 @@
             </p:txBody>
           </p:sp>
         </mc:Choice>
-        <mc:Fallback>
+        <mc:Fallback xmlns="">
           <p:sp>
             <p:nvSpPr>
               <p:cNvPr id="40963" name="Rectangle 3"/>
@@ -11941,7 +11989,7 @@
               <p:nvPr>
                 <p:ph sz="quarter" idx="1"/>
                 <p:custDataLst>
-                  <p:tags r:id="rId2"/>
+                  <p:tags r:id="rId4"/>
                 </p:custDataLst>
               </p:nvPr>
             </p:nvSpPr>
@@ -11951,7 +11999,7 @@
                 <a:ext cx="11277600" cy="4937760"/>
               </a:xfrm>
               <a:blipFill>
-                <a:blip r:embed="rId4"/>
+                <a:blip r:embed="rId5"/>
                 <a:stretch>
                   <a:fillRect l="-900"/>
                 </a:stretch>
@@ -12083,8 +12131,8 @@
           </a:p>
         </p:txBody>
       </p:sp>
-      <mc:AlternateContent xmlns:mc="http://schemas.openxmlformats.org/markup-compatibility/2006">
-        <mc:Choice xmlns:a14="http://schemas.microsoft.com/office/drawing/2010/main" Requires="a14">
+      <mc:AlternateContent xmlns:mc="http://schemas.openxmlformats.org/markup-compatibility/2006" xmlns:a14="http://schemas.microsoft.com/office/drawing/2010/main">
+        <mc:Choice Requires="a14">
           <p:sp>
             <p:nvSpPr>
               <p:cNvPr id="40963" name="Rectangle 3"/>
@@ -12428,7 +12476,7 @@
             </p:txBody>
           </p:sp>
         </mc:Choice>
-        <mc:Fallback>
+        <mc:Fallback xmlns="">
           <p:sp>
             <p:nvSpPr>
               <p:cNvPr id="40963" name="Rectangle 3"/>
@@ -12438,7 +12486,7 @@
               <p:nvPr>
                 <p:ph sz="quarter" idx="1"/>
                 <p:custDataLst>
-                  <p:tags r:id="rId2"/>
+                  <p:tags r:id="rId4"/>
                 </p:custDataLst>
               </p:nvPr>
             </p:nvSpPr>
@@ -12448,7 +12496,7 @@
                 <a:ext cx="11277600" cy="4937760"/>
               </a:xfrm>
               <a:blipFill>
-                <a:blip r:embed="rId4"/>
+                <a:blip r:embed="rId5"/>
                 <a:stretch>
                   <a:fillRect l="-900" t="-1795"/>
                 </a:stretch>
